--- a/Slides/Day2.pptx
+++ b/Slides/Day2.pptx
@@ -243,7 +243,7 @@
           <a:p>
             <a:fld id="{60D0AF53-9AF2-214A-92A8-DA7D510607BF}" type="datetimeFigureOut">
               <a:rPr lang="en-US" smtClean="0"/>
-              <a:t>5/20/25</a:t>
+              <a:t>5/21/25</a:t>
             </a:fld>
             <a:endParaRPr lang="en-US"/>
           </a:p>
@@ -1398,7 +1398,7 @@
           <a:p>
             <a:fld id="{5BCAD085-E8A6-8845-BD4E-CB4CCA059FC4}" type="datetimeFigureOut">
               <a:rPr lang="en-US" smtClean="0"/>
-              <a:t>5/20/25</a:t>
+              <a:t>5/21/25</a:t>
             </a:fld>
             <a:endParaRPr lang="en-US"/>
           </a:p>
@@ -1596,7 +1596,7 @@
           <a:p>
             <a:fld id="{5BCAD085-E8A6-8845-BD4E-CB4CCA059FC4}" type="datetimeFigureOut">
               <a:rPr lang="en-US" smtClean="0"/>
-              <a:t>5/20/25</a:t>
+              <a:t>5/21/25</a:t>
             </a:fld>
             <a:endParaRPr lang="en-US"/>
           </a:p>
@@ -1804,7 +1804,7 @@
           <a:p>
             <a:fld id="{5BCAD085-E8A6-8845-BD4E-CB4CCA059FC4}" type="datetimeFigureOut">
               <a:rPr lang="en-US" smtClean="0"/>
-              <a:t>5/20/25</a:t>
+              <a:t>5/21/25</a:t>
             </a:fld>
             <a:endParaRPr lang="en-US"/>
           </a:p>
@@ -2002,7 +2002,7 @@
           <a:p>
             <a:fld id="{5BCAD085-E8A6-8845-BD4E-CB4CCA059FC4}" type="datetimeFigureOut">
               <a:rPr lang="en-US" smtClean="0"/>
-              <a:t>5/20/25</a:t>
+              <a:t>5/21/25</a:t>
             </a:fld>
             <a:endParaRPr lang="en-US"/>
           </a:p>
@@ -2277,7 +2277,7 @@
           <a:p>
             <a:fld id="{5BCAD085-E8A6-8845-BD4E-CB4CCA059FC4}" type="datetimeFigureOut">
               <a:rPr lang="en-US" smtClean="0"/>
-              <a:t>5/20/25</a:t>
+              <a:t>5/21/25</a:t>
             </a:fld>
             <a:endParaRPr lang="en-US"/>
           </a:p>
@@ -2542,7 +2542,7 @@
           <a:p>
             <a:fld id="{5BCAD085-E8A6-8845-BD4E-CB4CCA059FC4}" type="datetimeFigureOut">
               <a:rPr lang="en-US" smtClean="0"/>
-              <a:t>5/20/25</a:t>
+              <a:t>5/21/25</a:t>
             </a:fld>
             <a:endParaRPr lang="en-US"/>
           </a:p>
@@ -2954,7 +2954,7 @@
           <a:p>
             <a:fld id="{5BCAD085-E8A6-8845-BD4E-CB4CCA059FC4}" type="datetimeFigureOut">
               <a:rPr lang="en-US" smtClean="0"/>
-              <a:t>5/20/25</a:t>
+              <a:t>5/21/25</a:t>
             </a:fld>
             <a:endParaRPr lang="en-US"/>
           </a:p>
@@ -3095,7 +3095,7 @@
           <a:p>
             <a:fld id="{5BCAD085-E8A6-8845-BD4E-CB4CCA059FC4}" type="datetimeFigureOut">
               <a:rPr lang="en-US" smtClean="0"/>
-              <a:t>5/20/25</a:t>
+              <a:t>5/21/25</a:t>
             </a:fld>
             <a:endParaRPr lang="en-US"/>
           </a:p>
@@ -3208,7 +3208,7 @@
           <a:p>
             <a:fld id="{5BCAD085-E8A6-8845-BD4E-CB4CCA059FC4}" type="datetimeFigureOut">
               <a:rPr lang="en-US" smtClean="0"/>
-              <a:t>5/20/25</a:t>
+              <a:t>5/21/25</a:t>
             </a:fld>
             <a:endParaRPr lang="en-US"/>
           </a:p>
@@ -3519,7 +3519,7 @@
           <a:p>
             <a:fld id="{5BCAD085-E8A6-8845-BD4E-CB4CCA059FC4}" type="datetimeFigureOut">
               <a:rPr lang="en-US" smtClean="0"/>
-              <a:t>5/20/25</a:t>
+              <a:t>5/21/25</a:t>
             </a:fld>
             <a:endParaRPr lang="en-US"/>
           </a:p>
@@ -3807,7 +3807,7 @@
           <a:p>
             <a:fld id="{5BCAD085-E8A6-8845-BD4E-CB4CCA059FC4}" type="datetimeFigureOut">
               <a:rPr lang="en-US" smtClean="0"/>
-              <a:t>5/20/25</a:t>
+              <a:t>5/21/25</a:t>
             </a:fld>
             <a:endParaRPr lang="en-US"/>
           </a:p>
@@ -4048,7 +4048,7 @@
           <a:p>
             <a:fld id="{5BCAD085-E8A6-8845-BD4E-CB4CCA059FC4}" type="datetimeFigureOut">
               <a:rPr lang="en-US" smtClean="0"/>
-              <a:t>5/20/25</a:t>
+              <a:t>5/21/25</a:t>
             </a:fld>
             <a:endParaRPr lang="en-US"/>
           </a:p>
@@ -9693,9 +9693,10 @@
           <a:p>
             <a:pPr lvl="1"/>
             <a:r>
-              <a:rPr lang="en-US" dirty="0"/>
-              <a:t>If you don’t get it</a:t>
-            </a:r>
+              <a:rPr lang="en-US"/>
+              <a:t>We will use it in the next lab</a:t>
+            </a:r>
+            <a:endParaRPr lang="en-US" dirty="0"/>
           </a:p>
         </p:txBody>
       </p:sp>

--- a/Slides/Day2.pptx
+++ b/Slides/Day2.pptx
@@ -243,7 +243,7 @@
           <a:p>
             <a:fld id="{60D0AF53-9AF2-214A-92A8-DA7D510607BF}" type="datetimeFigureOut">
               <a:rPr lang="en-US" smtClean="0"/>
-              <a:t>5/21/25</a:t>
+              <a:t>5/23/25</a:t>
             </a:fld>
             <a:endParaRPr lang="en-US"/>
           </a:p>
@@ -1398,7 +1398,7 @@
           <a:p>
             <a:fld id="{5BCAD085-E8A6-8845-BD4E-CB4CCA059FC4}" type="datetimeFigureOut">
               <a:rPr lang="en-US" smtClean="0"/>
-              <a:t>5/21/25</a:t>
+              <a:t>5/23/25</a:t>
             </a:fld>
             <a:endParaRPr lang="en-US"/>
           </a:p>
@@ -1596,7 +1596,7 @@
           <a:p>
             <a:fld id="{5BCAD085-E8A6-8845-BD4E-CB4CCA059FC4}" type="datetimeFigureOut">
               <a:rPr lang="en-US" smtClean="0"/>
-              <a:t>5/21/25</a:t>
+              <a:t>5/23/25</a:t>
             </a:fld>
             <a:endParaRPr lang="en-US"/>
           </a:p>
@@ -1804,7 +1804,7 @@
           <a:p>
             <a:fld id="{5BCAD085-E8A6-8845-BD4E-CB4CCA059FC4}" type="datetimeFigureOut">
               <a:rPr lang="en-US" smtClean="0"/>
-              <a:t>5/21/25</a:t>
+              <a:t>5/23/25</a:t>
             </a:fld>
             <a:endParaRPr lang="en-US"/>
           </a:p>
@@ -2002,7 +2002,7 @@
           <a:p>
             <a:fld id="{5BCAD085-E8A6-8845-BD4E-CB4CCA059FC4}" type="datetimeFigureOut">
               <a:rPr lang="en-US" smtClean="0"/>
-              <a:t>5/21/25</a:t>
+              <a:t>5/23/25</a:t>
             </a:fld>
             <a:endParaRPr lang="en-US"/>
           </a:p>
@@ -2277,7 +2277,7 @@
           <a:p>
             <a:fld id="{5BCAD085-E8A6-8845-BD4E-CB4CCA059FC4}" type="datetimeFigureOut">
               <a:rPr lang="en-US" smtClean="0"/>
-              <a:t>5/21/25</a:t>
+              <a:t>5/23/25</a:t>
             </a:fld>
             <a:endParaRPr lang="en-US"/>
           </a:p>
@@ -2542,7 +2542,7 @@
           <a:p>
             <a:fld id="{5BCAD085-E8A6-8845-BD4E-CB4CCA059FC4}" type="datetimeFigureOut">
               <a:rPr lang="en-US" smtClean="0"/>
-              <a:t>5/21/25</a:t>
+              <a:t>5/23/25</a:t>
             </a:fld>
             <a:endParaRPr lang="en-US"/>
           </a:p>
@@ -2954,7 +2954,7 @@
           <a:p>
             <a:fld id="{5BCAD085-E8A6-8845-BD4E-CB4CCA059FC4}" type="datetimeFigureOut">
               <a:rPr lang="en-US" smtClean="0"/>
-              <a:t>5/21/25</a:t>
+              <a:t>5/23/25</a:t>
             </a:fld>
             <a:endParaRPr lang="en-US"/>
           </a:p>
@@ -3095,7 +3095,7 @@
           <a:p>
             <a:fld id="{5BCAD085-E8A6-8845-BD4E-CB4CCA059FC4}" type="datetimeFigureOut">
               <a:rPr lang="en-US" smtClean="0"/>
-              <a:t>5/21/25</a:t>
+              <a:t>5/23/25</a:t>
             </a:fld>
             <a:endParaRPr lang="en-US"/>
           </a:p>
@@ -3208,7 +3208,7 @@
           <a:p>
             <a:fld id="{5BCAD085-E8A6-8845-BD4E-CB4CCA059FC4}" type="datetimeFigureOut">
               <a:rPr lang="en-US" smtClean="0"/>
-              <a:t>5/21/25</a:t>
+              <a:t>5/23/25</a:t>
             </a:fld>
             <a:endParaRPr lang="en-US"/>
           </a:p>
@@ -3519,7 +3519,7 @@
           <a:p>
             <a:fld id="{5BCAD085-E8A6-8845-BD4E-CB4CCA059FC4}" type="datetimeFigureOut">
               <a:rPr lang="en-US" smtClean="0"/>
-              <a:t>5/21/25</a:t>
+              <a:t>5/23/25</a:t>
             </a:fld>
             <a:endParaRPr lang="en-US"/>
           </a:p>
@@ -3807,7 +3807,7 @@
           <a:p>
             <a:fld id="{5BCAD085-E8A6-8845-BD4E-CB4CCA059FC4}" type="datetimeFigureOut">
               <a:rPr lang="en-US" smtClean="0"/>
-              <a:t>5/21/25</a:t>
+              <a:t>5/23/25</a:t>
             </a:fld>
             <a:endParaRPr lang="en-US"/>
           </a:p>
@@ -4048,7 +4048,7 @@
           <a:p>
             <a:fld id="{5BCAD085-E8A6-8845-BD4E-CB4CCA059FC4}" type="datetimeFigureOut">
               <a:rPr lang="en-US" smtClean="0"/>
-              <a:t>5/21/25</a:t>
+              <a:t>5/23/25</a:t>
             </a:fld>
             <a:endParaRPr lang="en-US"/>
           </a:p>
@@ -9644,21 +9644,34 @@
             </a:r>
           </a:p>
           <a:p>
+            <a:endParaRPr lang="en-US" dirty="0"/>
+          </a:p>
+          <a:p>
             <a:r>
               <a:rPr lang="en-US" dirty="0"/>
               <a:t>Sentiment</a:t>
             </a:r>
           </a:p>
           <a:p>
+            <a:endParaRPr lang="en-US" dirty="0"/>
+          </a:p>
+          <a:p>
             <a:r>
               <a:rPr lang="en-US" dirty="0"/>
               <a:t>Moral Foundations</a:t>
             </a:r>
           </a:p>
           <a:p>
+            <a:endParaRPr lang="en-US" b="1"/>
+          </a:p>
+          <a:p>
+            <a:r>
+              <a:rPr lang="en-US" b="1"/>
+              <a:t>Google </a:t>
+            </a:r>
             <a:r>
               <a:rPr lang="en-US" b="1" dirty="0"/>
-              <a:t>Google Perspective</a:t>
+              <a:t>Perspective</a:t>
             </a:r>
           </a:p>
           <a:p>
@@ -9693,10 +9706,9 @@
           <a:p>
             <a:pPr lvl="1"/>
             <a:r>
-              <a:rPr lang="en-US"/>
+              <a:rPr lang="en-US" dirty="0"/>
               <a:t>We will use it in the next lab</a:t>
             </a:r>
-            <a:endParaRPr lang="en-US" dirty="0"/>
           </a:p>
         </p:txBody>
       </p:sp>
